--- a/Memoria/Presentación proyecto.pptx
+++ b/Memoria/Presentación proyecto.pptx
@@ -112,6 +112,11 @@
       </a:defRPr>
     </a:lvl9pPr>
   </p:defaultTextStyle>
+  <p:extLst>
+    <p:ext uri="{EFAFB233-063F-42B5-8137-9DF3F51BA10A}">
+      <p15:sldGuideLst xmlns:p15="http://schemas.microsoft.com/office/powerpoint/2012/main"/>
+    </p:ext>
+  </p:extLst>
 </p:presentation>
 </file>
 
@@ -860,7 +865,7 @@
           <a:p>
             <a:fld id="{575BD5AA-3E2C-43F0-8545-0791C635A187}" type="datetimeFigureOut">
               <a:rPr lang="es-ES" smtClean="0"/>
-              <a:t>11/02/2019</a:t>
+              <a:t>13/02/2019</a:t>
             </a:fld>
             <a:endParaRPr lang="es-ES"/>
           </a:p>
@@ -1111,7 +1116,7 @@
           <a:p>
             <a:fld id="{575BD5AA-3E2C-43F0-8545-0791C635A187}" type="datetimeFigureOut">
               <a:rPr lang="es-ES" smtClean="0"/>
-              <a:t>11/02/2019</a:t>
+              <a:t>13/02/2019</a:t>
             </a:fld>
             <a:endParaRPr lang="es-ES"/>
           </a:p>
@@ -1425,7 +1430,7 @@
           <a:p>
             <a:fld id="{575BD5AA-3E2C-43F0-8545-0791C635A187}" type="datetimeFigureOut">
               <a:rPr lang="es-ES" smtClean="0"/>
-              <a:t>11/02/2019</a:t>
+              <a:t>13/02/2019</a:t>
             </a:fld>
             <a:endParaRPr lang="es-ES"/>
           </a:p>
@@ -1758,7 +1763,7 @@
           <a:p>
             <a:fld id="{575BD5AA-3E2C-43F0-8545-0791C635A187}" type="datetimeFigureOut">
               <a:rPr lang="es-ES" smtClean="0"/>
-              <a:t>11/02/2019</a:t>
+              <a:t>13/02/2019</a:t>
             </a:fld>
             <a:endParaRPr lang="es-ES"/>
           </a:p>
@@ -2072,7 +2077,7 @@
           <a:p>
             <a:fld id="{575BD5AA-3E2C-43F0-8545-0791C635A187}" type="datetimeFigureOut">
               <a:rPr lang="es-ES" smtClean="0"/>
-              <a:t>11/02/2019</a:t>
+              <a:t>13/02/2019</a:t>
             </a:fld>
             <a:endParaRPr lang="es-ES"/>
           </a:p>
@@ -2465,7 +2470,7 @@
           <a:p>
             <a:fld id="{575BD5AA-3E2C-43F0-8545-0791C635A187}" type="datetimeFigureOut">
               <a:rPr lang="es-ES" smtClean="0"/>
-              <a:t>11/02/2019</a:t>
+              <a:t>13/02/2019</a:t>
             </a:fld>
             <a:endParaRPr lang="es-ES"/>
           </a:p>
@@ -2635,7 +2640,7 @@
           <a:p>
             <a:fld id="{575BD5AA-3E2C-43F0-8545-0791C635A187}" type="datetimeFigureOut">
               <a:rPr lang="es-ES" smtClean="0"/>
-              <a:t>11/02/2019</a:t>
+              <a:t>13/02/2019</a:t>
             </a:fld>
             <a:endParaRPr lang="es-ES"/>
           </a:p>
@@ -2815,7 +2820,7 @@
           <a:p>
             <a:fld id="{575BD5AA-3E2C-43F0-8545-0791C635A187}" type="datetimeFigureOut">
               <a:rPr lang="es-ES" smtClean="0"/>
-              <a:t>11/02/2019</a:t>
+              <a:t>13/02/2019</a:t>
             </a:fld>
             <a:endParaRPr lang="es-ES"/>
           </a:p>
@@ -2985,7 +2990,7 @@
           <a:p>
             <a:fld id="{575BD5AA-3E2C-43F0-8545-0791C635A187}" type="datetimeFigureOut">
               <a:rPr lang="es-ES" smtClean="0"/>
-              <a:t>11/02/2019</a:t>
+              <a:t>13/02/2019</a:t>
             </a:fld>
             <a:endParaRPr lang="es-ES"/>
           </a:p>
@@ -3232,7 +3237,7 @@
           <a:p>
             <a:fld id="{575BD5AA-3E2C-43F0-8545-0791C635A187}" type="datetimeFigureOut">
               <a:rPr lang="es-ES" smtClean="0"/>
-              <a:t>11/02/2019</a:t>
+              <a:t>13/02/2019</a:t>
             </a:fld>
             <a:endParaRPr lang="es-ES"/>
           </a:p>
@@ -3464,7 +3469,7 @@
           <a:p>
             <a:fld id="{575BD5AA-3E2C-43F0-8545-0791C635A187}" type="datetimeFigureOut">
               <a:rPr lang="es-ES" smtClean="0"/>
-              <a:t>11/02/2019</a:t>
+              <a:t>13/02/2019</a:t>
             </a:fld>
             <a:endParaRPr lang="es-ES"/>
           </a:p>
@@ -3838,7 +3843,7 @@
           <a:p>
             <a:fld id="{575BD5AA-3E2C-43F0-8545-0791C635A187}" type="datetimeFigureOut">
               <a:rPr lang="es-ES" smtClean="0"/>
-              <a:t>11/02/2019</a:t>
+              <a:t>13/02/2019</a:t>
             </a:fld>
             <a:endParaRPr lang="es-ES"/>
           </a:p>
@@ -3961,7 +3966,7 @@
           <a:p>
             <a:fld id="{575BD5AA-3E2C-43F0-8545-0791C635A187}" type="datetimeFigureOut">
               <a:rPr lang="es-ES" smtClean="0"/>
-              <a:t>11/02/2019</a:t>
+              <a:t>13/02/2019</a:t>
             </a:fld>
             <a:endParaRPr lang="es-ES"/>
           </a:p>
@@ -4056,7 +4061,7 @@
           <a:p>
             <a:fld id="{575BD5AA-3E2C-43F0-8545-0791C635A187}" type="datetimeFigureOut">
               <a:rPr lang="es-ES" smtClean="0"/>
-              <a:t>11/02/2019</a:t>
+              <a:t>13/02/2019</a:t>
             </a:fld>
             <a:endParaRPr lang="es-ES"/>
           </a:p>
@@ -4311,7 +4316,7 @@
           <a:p>
             <a:fld id="{575BD5AA-3E2C-43F0-8545-0791C635A187}" type="datetimeFigureOut">
               <a:rPr lang="es-ES" smtClean="0"/>
-              <a:t>11/02/2019</a:t>
+              <a:t>13/02/2019</a:t>
             </a:fld>
             <a:endParaRPr lang="es-ES"/>
           </a:p>
@@ -4616,7 +4621,7 @@
           <a:p>
             <a:fld id="{575BD5AA-3E2C-43F0-8545-0791C635A187}" type="datetimeFigureOut">
               <a:rPr lang="es-ES" smtClean="0"/>
-              <a:t>11/02/2019</a:t>
+              <a:t>13/02/2019</a:t>
             </a:fld>
             <a:endParaRPr lang="es-ES"/>
           </a:p>
@@ -5318,7 +5323,7 @@
           <a:p>
             <a:fld id="{575BD5AA-3E2C-43F0-8545-0791C635A187}" type="datetimeFigureOut">
               <a:rPr lang="es-ES" smtClean="0"/>
-              <a:t>11/02/2019</a:t>
+              <a:t>13/02/2019</a:t>
             </a:fld>
             <a:endParaRPr lang="es-ES"/>
           </a:p>
@@ -7415,6 +7420,13 @@
               <a:t>Mejoras en las opciones de configuración.</a:t>
             </a:r>
           </a:p>
+          <a:p>
+            <a:r>
+              <a:rPr lang="es-ES" sz="3200"/>
+              <a:t>Instalador personalizado.</a:t>
+            </a:r>
+            <a:endParaRPr lang="es-ES" sz="3200" dirty="0"/>
+          </a:p>
         </p:txBody>
       </p:sp>
       <p:pic>
